--- a/MyLearnings/Kubernetes/PPT's/Kuberntes architecture and Installation.pptx
+++ b/MyLearnings/Kubernetes/PPT's/Kuberntes architecture and Installation.pptx
@@ -35,7 +35,7 @@
     <p:sldId id="285" r:id="rId29"/>
     <p:sldId id="286" r:id="rId30"/>
     <p:sldId id="284" r:id="rId31"/>
-    <p:sldId id="287" r:id="rId32"/>
+    <p:sldId id="289" r:id="rId32"/>
     <p:sldId id="288" r:id="rId33"/>
   </p:sldIdLst>
   <p:sldSz cx="12192000" cy="6858000"/>
@@ -292,7 +292,7 @@
           <a:p>
             <a:fld id="{5A75AB10-03C2-4A8D-A64A-FE43CAE22530}" type="datetimeFigureOut">
               <a:rPr lang="en-IN" smtClean="0"/>
-              <a:t>18-06-2024</a:t>
+              <a:t>19-06-2024</a:t>
             </a:fld>
             <a:endParaRPr lang="en-IN"/>
           </a:p>
@@ -492,7 +492,7 @@
           <a:p>
             <a:fld id="{5A75AB10-03C2-4A8D-A64A-FE43CAE22530}" type="datetimeFigureOut">
               <a:rPr lang="en-IN" smtClean="0"/>
-              <a:t>18-06-2024</a:t>
+              <a:t>19-06-2024</a:t>
             </a:fld>
             <a:endParaRPr lang="en-IN"/>
           </a:p>
@@ -702,7 +702,7 @@
           <a:p>
             <a:fld id="{5A75AB10-03C2-4A8D-A64A-FE43CAE22530}" type="datetimeFigureOut">
               <a:rPr lang="en-IN" smtClean="0"/>
-              <a:t>18-06-2024</a:t>
+              <a:t>19-06-2024</a:t>
             </a:fld>
             <a:endParaRPr lang="en-IN"/>
           </a:p>
@@ -902,7 +902,7 @@
           <a:p>
             <a:fld id="{5A75AB10-03C2-4A8D-A64A-FE43CAE22530}" type="datetimeFigureOut">
               <a:rPr lang="en-IN" smtClean="0"/>
-              <a:t>18-06-2024</a:t>
+              <a:t>19-06-2024</a:t>
             </a:fld>
             <a:endParaRPr lang="en-IN"/>
           </a:p>
@@ -1178,7 +1178,7 @@
           <a:p>
             <a:fld id="{5A75AB10-03C2-4A8D-A64A-FE43CAE22530}" type="datetimeFigureOut">
               <a:rPr lang="en-IN" smtClean="0"/>
-              <a:t>18-06-2024</a:t>
+              <a:t>19-06-2024</a:t>
             </a:fld>
             <a:endParaRPr lang="en-IN"/>
           </a:p>
@@ -1446,7 +1446,7 @@
           <a:p>
             <a:fld id="{5A75AB10-03C2-4A8D-A64A-FE43CAE22530}" type="datetimeFigureOut">
               <a:rPr lang="en-IN" smtClean="0"/>
-              <a:t>18-06-2024</a:t>
+              <a:t>19-06-2024</a:t>
             </a:fld>
             <a:endParaRPr lang="en-IN"/>
           </a:p>
@@ -1861,7 +1861,7 @@
           <a:p>
             <a:fld id="{5A75AB10-03C2-4A8D-A64A-FE43CAE22530}" type="datetimeFigureOut">
               <a:rPr lang="en-IN" smtClean="0"/>
-              <a:t>18-06-2024</a:t>
+              <a:t>19-06-2024</a:t>
             </a:fld>
             <a:endParaRPr lang="en-IN"/>
           </a:p>
@@ -2003,7 +2003,7 @@
           <a:p>
             <a:fld id="{5A75AB10-03C2-4A8D-A64A-FE43CAE22530}" type="datetimeFigureOut">
               <a:rPr lang="en-IN" smtClean="0"/>
-              <a:t>18-06-2024</a:t>
+              <a:t>19-06-2024</a:t>
             </a:fld>
             <a:endParaRPr lang="en-IN"/>
           </a:p>
@@ -2116,7 +2116,7 @@
           <a:p>
             <a:fld id="{5A75AB10-03C2-4A8D-A64A-FE43CAE22530}" type="datetimeFigureOut">
               <a:rPr lang="en-IN" smtClean="0"/>
-              <a:t>18-06-2024</a:t>
+              <a:t>19-06-2024</a:t>
             </a:fld>
             <a:endParaRPr lang="en-IN"/>
           </a:p>
@@ -2429,7 +2429,7 @@
           <a:p>
             <a:fld id="{5A75AB10-03C2-4A8D-A64A-FE43CAE22530}" type="datetimeFigureOut">
               <a:rPr lang="en-IN" smtClean="0"/>
-              <a:t>18-06-2024</a:t>
+              <a:t>19-06-2024</a:t>
             </a:fld>
             <a:endParaRPr lang="en-IN"/>
           </a:p>
@@ -2718,7 +2718,7 @@
           <a:p>
             <a:fld id="{5A75AB10-03C2-4A8D-A64A-FE43CAE22530}" type="datetimeFigureOut">
               <a:rPr lang="en-IN" smtClean="0"/>
-              <a:t>18-06-2024</a:t>
+              <a:t>19-06-2024</a:t>
             </a:fld>
             <a:endParaRPr lang="en-IN"/>
           </a:p>
@@ -2961,7 +2961,7 @@
           <a:p>
             <a:fld id="{5A75AB10-03C2-4A8D-A64A-FE43CAE22530}" type="datetimeFigureOut">
               <a:rPr lang="en-IN" smtClean="0"/>
-              <a:t>18-06-2024</a:t>
+              <a:t>19-06-2024</a:t>
             </a:fld>
             <a:endParaRPr lang="en-IN"/>
           </a:p>
@@ -6005,7 +6005,7 @@
             </a:pPr>
             <a:r>
               <a:rPr lang="en-IN" dirty="0"/>
-              <a:t>kubeadm init --cri-socket unix:///var/run/cri-dockerd.sock</a:t>
+              <a:t>kubeadm init</a:t>
             </a:r>
           </a:p>
           <a:p>
@@ -6516,7 +6516,7 @@
                   <a:srgbClr val="FF0000"/>
                 </a:solidFill>
               </a:rPr>
-              <a:t>Install network</a:t>
+              <a:t>Install network on master only</a:t>
             </a:r>
           </a:p>
         </p:txBody>
@@ -6541,6 +6541,102 @@
         <p:txBody>
           <a:bodyPr/>
           <a:lstStyle/>
+          <a:p>
+            <a:pPr marL="0" indent="0">
+              <a:buNone/>
+            </a:pPr>
+            <a:r>
+              <a:rPr lang="en-IN" dirty="0"/>
+              <a:t>  </a:t>
+            </a:r>
+            <a:r>
+              <a:rPr lang="en-IN" dirty="0" err="1"/>
+              <a:t>mkdir</a:t>
+            </a:r>
+            <a:r>
+              <a:rPr lang="en-IN" dirty="0"/>
+              <a:t> -p $HOME/.kube</a:t>
+            </a:r>
+          </a:p>
+          <a:p>
+            <a:pPr marL="0" indent="0">
+              <a:buNone/>
+            </a:pPr>
+            <a:r>
+              <a:rPr lang="en-IN" dirty="0"/>
+              <a:t>  </a:t>
+            </a:r>
+            <a:r>
+              <a:rPr lang="en-IN" dirty="0" err="1"/>
+              <a:t>sudo</a:t>
+            </a:r>
+            <a:r>
+              <a:rPr lang="en-IN" dirty="0"/>
+              <a:t> cp -</a:t>
+            </a:r>
+            <a:r>
+              <a:rPr lang="en-IN" dirty="0" err="1"/>
+              <a:t>i</a:t>
+            </a:r>
+            <a:r>
+              <a:rPr lang="en-IN" dirty="0"/>
+              <a:t> /etc/</a:t>
+            </a:r>
+            <a:r>
+              <a:rPr lang="en-IN" dirty="0" err="1"/>
+              <a:t>kubernetes</a:t>
+            </a:r>
+            <a:r>
+              <a:rPr lang="en-IN" dirty="0"/>
+              <a:t>/</a:t>
+            </a:r>
+            <a:r>
+              <a:rPr lang="en-IN" dirty="0" err="1"/>
+              <a:t>admin.conf</a:t>
+            </a:r>
+            <a:r>
+              <a:rPr lang="en-IN" dirty="0"/>
+              <a:t> $HOME/.kube/config</a:t>
+            </a:r>
+          </a:p>
+          <a:p>
+            <a:pPr marL="0" indent="0">
+              <a:buNone/>
+            </a:pPr>
+            <a:r>
+              <a:rPr lang="en-IN" dirty="0"/>
+              <a:t>  </a:t>
+            </a:r>
+            <a:r>
+              <a:rPr lang="en-IN" dirty="0" err="1"/>
+              <a:t>sudo</a:t>
+            </a:r>
+            <a:r>
+              <a:rPr lang="en-IN" dirty="0"/>
+              <a:t> </a:t>
+            </a:r>
+            <a:r>
+              <a:rPr lang="en-IN" dirty="0" err="1"/>
+              <a:t>chown</a:t>
+            </a:r>
+            <a:r>
+              <a:rPr lang="en-IN" dirty="0"/>
+              <a:t> $(id -u):$(id -g) $HOME/.kube/config</a:t>
+            </a:r>
+            <a:endParaRPr lang="en-US" dirty="0"/>
+          </a:p>
+          <a:p>
+            <a:pPr marL="0" indent="0">
+              <a:buNone/>
+            </a:pPr>
+            <a:endParaRPr lang="en-US" dirty="0"/>
+          </a:p>
+          <a:p>
+            <a:pPr marL="0" indent="0">
+              <a:buNone/>
+            </a:pPr>
+            <a:endParaRPr lang="en-US" dirty="0"/>
+          </a:p>
           <a:p>
             <a:pPr marL="0" indent="0">
               <a:buNone/>
@@ -6598,7 +6694,7 @@
           <p:cNvPr id="2" name="Title 1">
             <a:extLst>
               <a:ext uri="{FF2B5EF4-FFF2-40B4-BE49-F238E27FC236}">
-                <a16:creationId xmlns:a16="http://schemas.microsoft.com/office/drawing/2014/main" id="{D4FAFF7A-D1A7-26CE-AD7E-10A07262C3FB}"/>
+                <a16:creationId xmlns:a16="http://schemas.microsoft.com/office/drawing/2014/main" id="{F8016C2C-794E-EA13-E8FD-9EBC821E110A}"/>
               </a:ext>
             </a:extLst>
           </p:cNvPr>
@@ -6620,15 +6716,93 @@
                   <a:srgbClr val="FF0000"/>
                 </a:solidFill>
               </a:rPr>
-              <a:t>Run init command into slave nodes</a:t>
-            </a:r>
+              <a:t>Run Join command into slave nodes</a:t>
+            </a:r>
+            <a:endParaRPr lang="en-IN" dirty="0"/>
+          </a:p>
+        </p:txBody>
+      </p:sp>
+      <p:sp>
+        <p:nvSpPr>
+          <p:cNvPr id="3" name="Content Placeholder 2">
+            <a:extLst>
+              <a:ext uri="{FF2B5EF4-FFF2-40B4-BE49-F238E27FC236}">
+                <a16:creationId xmlns:a16="http://schemas.microsoft.com/office/drawing/2014/main" id="{4AB8C236-A0ED-E627-E730-C0CB8AB7D289}"/>
+              </a:ext>
+            </a:extLst>
+          </p:cNvPr>
+          <p:cNvSpPr>
+            <a:spLocks noGrp="1"/>
+          </p:cNvSpPr>
+          <p:nvPr>
+            <p:ph idx="1"/>
+          </p:nvPr>
+        </p:nvSpPr>
+        <p:spPr/>
+        <p:txBody>
+          <a:bodyPr/>
+          <a:lstStyle/>
+          <a:p>
+            <a:pPr marL="0" indent="0">
+              <a:buNone/>
+            </a:pPr>
+            <a:endParaRPr lang="en-IN" dirty="0"/>
+          </a:p>
+          <a:p>
+            <a:pPr marL="0" indent="0">
+              <a:buNone/>
+            </a:pPr>
+            <a:endParaRPr lang="en-IN" dirty="0"/>
+          </a:p>
+          <a:p>
+            <a:pPr marL="0" indent="0">
+              <a:buNone/>
+            </a:pPr>
+            <a:r>
+              <a:rPr lang="en-IN" dirty="0">
+                <a:highlight>
+                  <a:srgbClr val="FFFF00"/>
+                </a:highlight>
+              </a:rPr>
+              <a:t>kubeadm join 10.0.0.5:6443 --token &lt;token&gt;\</a:t>
+            </a:r>
+          </a:p>
+          <a:p>
+            <a:pPr marL="0" indent="0">
+              <a:buNone/>
+            </a:pPr>
+            <a:r>
+              <a:rPr lang="en-IN" dirty="0">
+                <a:highlight>
+                  <a:srgbClr val="FFFF00"/>
+                </a:highlight>
+              </a:rPr>
+              <a:t>        --discovery-token-ca-cert-hash  &lt;</a:t>
+            </a:r>
+            <a:r>
+              <a:rPr lang="en-IN" dirty="0" err="1">
+                <a:highlight>
+                  <a:srgbClr val="FFFF00"/>
+                </a:highlight>
+              </a:rPr>
+              <a:t>Hashcode</a:t>
+            </a:r>
+            <a:r>
+              <a:rPr lang="en-IN" dirty="0">
+                <a:highlight>
+                  <a:srgbClr val="FFFF00"/>
+                </a:highlight>
+              </a:rPr>
+              <a:t>&gt;</a:t>
+            </a:r>
+            <a:endParaRPr lang="en-IN" dirty="0"/>
           </a:p>
         </p:txBody>
       </p:sp>
     </p:spTree>
     <p:extLst>
       <p:ext uri="{BB962C8B-B14F-4D97-AF65-F5344CB8AC3E}">
-        <p14:creationId xmlns:p14="http://schemas.microsoft.com/office/powerpoint/2010/main" val="2035614629"/>
+        <p14:creationId xmlns:p14="http://schemas.microsoft.com/office/powerpoint/2010/main" val="2498817839"/>
       </p:ext>
     </p:extLst>
   </p:cSld>
@@ -6718,6 +6892,42 @@
           </a:p>
         </p:txBody>
       </p:sp>
+      <p:pic>
+        <p:nvPicPr>
+          <p:cNvPr id="5" name="Picture 4">
+            <a:extLst>
+              <a:ext uri="{FF2B5EF4-FFF2-40B4-BE49-F238E27FC236}">
+                <a16:creationId xmlns:a16="http://schemas.microsoft.com/office/drawing/2014/main" id="{949B208B-088A-1517-BDF9-84AFB1F1D36E}"/>
+              </a:ext>
+            </a:extLst>
+          </p:cNvPr>
+          <p:cNvPicPr>
+            <a:picLocks noChangeAspect="1"/>
+          </p:cNvPicPr>
+          <p:nvPr/>
+        </p:nvPicPr>
+        <p:blipFill>
+          <a:blip r:embed="rId2">
+            <a:extLst>
+              <a:ext uri="{28A0092B-C50C-407E-A947-70E740481C1C}">
+                <a14:useLocalDpi xmlns:a14="http://schemas.microsoft.com/office/drawing/2010/main" val="0"/>
+              </a:ext>
+            </a:extLst>
+          </a:blip>
+          <a:stretch>
+            <a:fillRect/>
+          </a:stretch>
+        </p:blipFill>
+        <p:spPr>
+          <a:xfrm>
+            <a:off x="971603" y="2769045"/>
+            <a:ext cx="6200775" cy="1114425"/>
+          </a:xfrm>
+          <a:prstGeom prst="rect">
+            <a:avLst/>
+          </a:prstGeom>
+        </p:spPr>
+      </p:pic>
     </p:spTree>
     <p:extLst>
       <p:ext uri="{BB962C8B-B14F-4D97-AF65-F5344CB8AC3E}">
